--- a/diagrams/report-summary.pptx
+++ b/diagrams/report-summary.pptx
@@ -261,7 +261,7 @@
           <a:p>
             <a:fld id="{D5F4EE06-143D-4C2F-8831-1CDA21FFE47B}" type="datetimeFigureOut">
               <a:rPr lang="en-SG" smtClean="0"/>
-              <a:t>18/3/20</a:t>
+              <a:t>23/4/20</a:t>
             </a:fld>
             <a:endParaRPr lang="en-SG"/>
           </a:p>
@@ -461,7 +461,7 @@
           <a:p>
             <a:fld id="{D5F4EE06-143D-4C2F-8831-1CDA21FFE47B}" type="datetimeFigureOut">
               <a:rPr lang="en-SG" smtClean="0"/>
-              <a:t>18/3/20</a:t>
+              <a:t>23/4/20</a:t>
             </a:fld>
             <a:endParaRPr lang="en-SG"/>
           </a:p>
@@ -671,7 +671,7 @@
           <a:p>
             <a:fld id="{D5F4EE06-143D-4C2F-8831-1CDA21FFE47B}" type="datetimeFigureOut">
               <a:rPr lang="en-SG" smtClean="0"/>
-              <a:t>18/3/20</a:t>
+              <a:t>23/4/20</a:t>
             </a:fld>
             <a:endParaRPr lang="en-SG"/>
           </a:p>
@@ -871,7 +871,7 @@
           <a:p>
             <a:fld id="{D5F4EE06-143D-4C2F-8831-1CDA21FFE47B}" type="datetimeFigureOut">
               <a:rPr lang="en-SG" smtClean="0"/>
-              <a:t>18/3/20</a:t>
+              <a:t>23/4/20</a:t>
             </a:fld>
             <a:endParaRPr lang="en-SG"/>
           </a:p>
@@ -1147,7 +1147,7 @@
           <a:p>
             <a:fld id="{D5F4EE06-143D-4C2F-8831-1CDA21FFE47B}" type="datetimeFigureOut">
               <a:rPr lang="en-SG" smtClean="0"/>
-              <a:t>18/3/20</a:t>
+              <a:t>23/4/20</a:t>
             </a:fld>
             <a:endParaRPr lang="en-SG"/>
           </a:p>
@@ -1415,7 +1415,7 @@
           <a:p>
             <a:fld id="{D5F4EE06-143D-4C2F-8831-1CDA21FFE47B}" type="datetimeFigureOut">
               <a:rPr lang="en-SG" smtClean="0"/>
-              <a:t>18/3/20</a:t>
+              <a:t>23/4/20</a:t>
             </a:fld>
             <a:endParaRPr lang="en-SG"/>
           </a:p>
@@ -1830,7 +1830,7 @@
           <a:p>
             <a:fld id="{D5F4EE06-143D-4C2F-8831-1CDA21FFE47B}" type="datetimeFigureOut">
               <a:rPr lang="en-SG" smtClean="0"/>
-              <a:t>18/3/20</a:t>
+              <a:t>23/4/20</a:t>
             </a:fld>
             <a:endParaRPr lang="en-SG"/>
           </a:p>
@@ -1972,7 +1972,7 @@
           <a:p>
             <a:fld id="{D5F4EE06-143D-4C2F-8831-1CDA21FFE47B}" type="datetimeFigureOut">
               <a:rPr lang="en-SG" smtClean="0"/>
-              <a:t>18/3/20</a:t>
+              <a:t>23/4/20</a:t>
             </a:fld>
             <a:endParaRPr lang="en-SG"/>
           </a:p>
@@ -2085,7 +2085,7 @@
           <a:p>
             <a:fld id="{D5F4EE06-143D-4C2F-8831-1CDA21FFE47B}" type="datetimeFigureOut">
               <a:rPr lang="en-SG" smtClean="0"/>
-              <a:t>18/3/20</a:t>
+              <a:t>23/4/20</a:t>
             </a:fld>
             <a:endParaRPr lang="en-SG"/>
           </a:p>
@@ -2398,7 +2398,7 @@
           <a:p>
             <a:fld id="{D5F4EE06-143D-4C2F-8831-1CDA21FFE47B}" type="datetimeFigureOut">
               <a:rPr lang="en-SG" smtClean="0"/>
-              <a:t>18/3/20</a:t>
+              <a:t>23/4/20</a:t>
             </a:fld>
             <a:endParaRPr lang="en-SG"/>
           </a:p>
@@ -2687,7 +2687,7 @@
           <a:p>
             <a:fld id="{D5F4EE06-143D-4C2F-8831-1CDA21FFE47B}" type="datetimeFigureOut">
               <a:rPr lang="en-SG" smtClean="0"/>
-              <a:t>18/3/20</a:t>
+              <a:t>23/4/20</a:t>
             </a:fld>
             <a:endParaRPr lang="en-SG"/>
           </a:p>
@@ -2930,7 +2930,7 @@
           <a:p>
             <a:fld id="{D5F4EE06-143D-4C2F-8831-1CDA21FFE47B}" type="datetimeFigureOut">
               <a:rPr lang="en-SG" smtClean="0"/>
-              <a:t>18/3/20</a:t>
+              <a:t>23/4/20</a:t>
             </a:fld>
             <a:endParaRPr lang="en-SG"/>
           </a:p>
@@ -3349,7 +3349,7 @@
       </p:grpSpPr>
       <p:pic>
         <p:nvPicPr>
-          <p:cNvPr id="4" name="Picture 3" descr="A screenshot of a social media post&#10;&#10;Description automatically generated">
+          <p:cNvPr id="4" name="Picture 3">
             <a:extLst>
               <a:ext uri="{FF2B5EF4-FFF2-40B4-BE49-F238E27FC236}">
                 <a16:creationId xmlns:a16="http://schemas.microsoft.com/office/drawing/2014/main" id="{26E605C5-D5F2-324F-9332-2CCC12B90D6B}"/>
@@ -3369,14 +3369,13 @@
               </a:ext>
             </a:extLst>
           </a:blip>
-          <a:stretch>
-            <a:fillRect/>
-          </a:stretch>
+          <a:srcRect/>
+          <a:stretch/>
         </p:blipFill>
         <p:spPr>
           <a:xfrm>
-            <a:off x="1187572" y="643466"/>
-            <a:ext cx="9813566" cy="5569200"/>
+            <a:off x="1187572" y="665843"/>
+            <a:ext cx="9813566" cy="5524446"/>
           </a:xfrm>
           <a:prstGeom prst="rect">
             <a:avLst/>
@@ -3556,7 +3555,7 @@
         </p:nvGrpSpPr>
         <p:grpSpPr>
           <a:xfrm>
-            <a:off x="3752515" y="4930021"/>
+            <a:off x="3356860" y="5141034"/>
             <a:ext cx="2671528" cy="641500"/>
             <a:chOff x="4067544" y="5032307"/>
             <a:chExt cx="2671528" cy="641500"/>
@@ -3737,7 +3736,7 @@
         </p:nvGrpSpPr>
         <p:grpSpPr>
           <a:xfrm>
-            <a:off x="-246591" y="4709910"/>
+            <a:off x="-246591" y="4938507"/>
             <a:ext cx="6216474" cy="461665"/>
             <a:chOff x="-22782" y="4493483"/>
             <a:chExt cx="5962166" cy="973524"/>
@@ -3912,7 +3911,7 @@
         </p:nvGrpSpPr>
         <p:grpSpPr>
           <a:xfrm>
-            <a:off x="-69994" y="3880737"/>
+            <a:off x="-69994" y="4065374"/>
             <a:ext cx="6029465" cy="461665"/>
             <a:chOff x="-36205" y="2478387"/>
             <a:chExt cx="6029465" cy="461665"/>
@@ -4088,7 +4087,7 @@
         </p:nvGrpSpPr>
         <p:grpSpPr>
           <a:xfrm>
-            <a:off x="-41611" y="2917696"/>
+            <a:off x="-41611" y="3102333"/>
             <a:ext cx="6011494" cy="809672"/>
             <a:chOff x="-22481" y="1810500"/>
             <a:chExt cx="6011494" cy="589235"/>
@@ -4248,9 +4247,9 @@
         <p:grpSpPr>
           <a:xfrm>
             <a:off x="-183442" y="836757"/>
-            <a:ext cx="6142914" cy="869029"/>
+            <a:ext cx="6142914" cy="1150305"/>
             <a:chOff x="-183442" y="836757"/>
-            <a:chExt cx="6142914" cy="869029"/>
+            <a:chExt cx="6142914" cy="1150305"/>
           </a:xfrm>
         </p:grpSpPr>
         <p:sp>
@@ -4308,7 +4307,7 @@
           <p:spPr>
             <a:xfrm>
               <a:off x="1410788" y="836757"/>
-              <a:ext cx="4548684" cy="869029"/>
+              <a:ext cx="4548684" cy="1150305"/>
             </a:xfrm>
             <a:prstGeom prst="rect">
               <a:avLst/>
@@ -4343,7 +4342,7 @@
             <a:lstStyle/>
             <a:p>
               <a:pPr algn="ctr"/>
-              <a:endParaRPr lang="en-SG"/>
+              <a:endParaRPr lang="en-SG" dirty="0"/>
             </a:p>
           </p:txBody>
         </p:sp>
@@ -4568,7 +4567,7 @@
         </p:nvGrpSpPr>
         <p:grpSpPr>
           <a:xfrm>
-            <a:off x="6577283" y="2061768"/>
+            <a:off x="6577283" y="2105729"/>
             <a:ext cx="3586170" cy="319637"/>
             <a:chOff x="6191491" y="1792813"/>
             <a:chExt cx="3586170" cy="319637"/>
@@ -4739,7 +4738,7 @@
         </p:nvGrpSpPr>
         <p:grpSpPr>
           <a:xfrm>
-            <a:off x="6305920" y="2801205"/>
+            <a:off x="6305920" y="2897920"/>
             <a:ext cx="5287982" cy="276999"/>
             <a:chOff x="6210157" y="3133527"/>
             <a:chExt cx="3829487" cy="276999"/>
@@ -4902,10 +4901,10 @@
         </p:nvGrpSpPr>
         <p:grpSpPr>
           <a:xfrm>
-            <a:off x="6338083" y="4709909"/>
-            <a:ext cx="5720060" cy="914473"/>
-            <a:chOff x="6142549" y="4184273"/>
-            <a:chExt cx="5720060" cy="820407"/>
+            <a:off x="6338083" y="4806633"/>
+            <a:ext cx="5720060" cy="488959"/>
+            <a:chOff x="6142549" y="4184274"/>
+            <a:chExt cx="5720060" cy="438662"/>
           </a:xfrm>
         </p:grpSpPr>
         <p:sp>
@@ -4922,8 +4921,8 @@
           </p:nvSpPr>
           <p:spPr>
             <a:xfrm>
-              <a:off x="6142549" y="4184273"/>
-              <a:ext cx="4492213" cy="820407"/>
+              <a:off x="6142549" y="4184274"/>
+              <a:ext cx="4492213" cy="438662"/>
             </a:xfrm>
             <a:prstGeom prst="rect">
               <a:avLst/>
@@ -4979,7 +4978,7 @@
           </p:nvSpPr>
           <p:spPr>
             <a:xfrm>
-              <a:off x="10925874" y="4378819"/>
+              <a:off x="10925874" y="4260502"/>
               <a:ext cx="936735" cy="276999"/>
             </a:xfrm>
             <a:prstGeom prst="rect">
@@ -5034,7 +5033,7 @@
           </p:nvCxnSpPr>
           <p:spPr>
             <a:xfrm flipH="1" flipV="1">
-              <a:off x="10651112" y="4507112"/>
+              <a:off x="10651112" y="4388796"/>
               <a:ext cx="318046" cy="4392"/>
             </a:xfrm>
             <a:prstGeom prst="straightConnector1">
@@ -5080,7 +5079,7 @@
         </p:nvGrpSpPr>
         <p:grpSpPr>
           <a:xfrm>
-            <a:off x="6284057" y="3607427"/>
+            <a:off x="6284057" y="3721727"/>
             <a:ext cx="5701288" cy="811366"/>
             <a:chOff x="6164309" y="3142906"/>
             <a:chExt cx="5701288" cy="762923"/>
